--- a/DATOS COVID Chile 2021 07 03.pptx
+++ b/DATOS COVID Chile 2021 07 03.pptx
@@ -5250,7 +5250,7 @@
         </p:blipFill>
         <p:spPr>
           <a:xfrm>
-            <a:off x="358237" y="1921668"/>
+            <a:off x="169057" y="1921668"/>
             <a:ext cx="4769696" cy="3915912"/>
           </a:xfrm>
           <a:prstGeom prst="rect">
@@ -5756,7 +5756,7 @@
         </p:nvSpPr>
         <p:spPr>
           <a:xfrm rot="974063">
-            <a:off x="3603662" y="2177805"/>
+            <a:off x="3414482" y="2177805"/>
             <a:ext cx="1281743" cy="756590"/>
           </a:xfrm>
           <a:prstGeom prst="ellipse">
@@ -5861,7 +5861,7 @@
         </p:nvSpPr>
         <p:spPr>
           <a:xfrm rot="1505898">
-            <a:off x="3600353" y="3293200"/>
+            <a:off x="3411173" y="3293200"/>
             <a:ext cx="1160154" cy="697697"/>
           </a:xfrm>
           <a:prstGeom prst="ellipse">
@@ -8616,7 +8616,7 @@
         <p:spPr>
           <a:xfrm>
             <a:off x="869964" y="0"/>
-            <a:ext cx="9053119" cy="584775"/>
+            <a:ext cx="8722901" cy="584775"/>
           </a:xfrm>
           <a:prstGeom prst="rect">
             <a:avLst/>
@@ -8643,7 +8643,7 @@
             </a:r>
             <a:r>
               <a:rPr lang="en-US" sz="3200" dirty="0"/>
-              <a:t> Chile al 24 de Junio de 2021</a:t>
+              <a:t> Chile al 1 de Julio de 2021</a:t>
             </a:r>
           </a:p>
         </p:txBody>
